--- a/fig/workflow.pptx
+++ b/fig/workflow.pptx
@@ -2,12 +2,12 @@
 <file path=ppt/presentation.xml><?xml version="1.0" encoding="utf-8"?>
 <p:presentation xmlns:a="http://schemas.openxmlformats.org/drawingml/2006/main" xmlns:r="http://schemas.openxmlformats.org/officeDocument/2006/relationships" xmlns:p="http://schemas.openxmlformats.org/presentationml/2006/main" saveSubsetFonts="1" autoCompressPictures="0">
   <p:sldMasterIdLst>
-    <p:sldMasterId id="2147483684" r:id="rId1"/>
+    <p:sldMasterId id="2147483708" r:id="rId1"/>
   </p:sldMasterIdLst>
   <p:sldIdLst>
     <p:sldId id="256" r:id="rId2"/>
   </p:sldIdLst>
-  <p:sldSz cx="2879725" cy="2447925"/>
+  <p:sldSz cx="2879725" cy="2663825"/>
   <p:notesSz cx="6858000" cy="9144000"/>
   <p:defaultTextStyle>
     <a:defPPr>
@@ -141,8 +141,8 @@
         </p:nvSpPr>
         <p:spPr>
           <a:xfrm>
-            <a:off x="215980" y="400621"/>
-            <a:ext cx="2447766" cy="852241"/>
+            <a:off x="215980" y="435955"/>
+            <a:ext cx="2447766" cy="927406"/>
           </a:xfrm>
         </p:spPr>
         <p:txBody>
@@ -173,8 +173,8 @@
         </p:nvSpPr>
         <p:spPr>
           <a:xfrm>
-            <a:off x="359966" y="1285727"/>
-            <a:ext cx="2159794" cy="591015"/>
+            <a:off x="359966" y="1399125"/>
+            <a:ext cx="2159794" cy="643141"/>
           </a:xfrm>
         </p:spPr>
         <p:txBody>
@@ -243,7 +243,7 @@
           <a:p>
             <a:fld id="{F4936277-C41C-BD48-B2E2-AC7EAD890185}" type="datetimeFigureOut">
               <a:rPr kumimoji="1" lang="zh-CN" altLang="en-US" smtClean="0"/>
-              <a:t>2024/7/28</a:t>
+              <a:t>2024/8/13</a:t>
             </a:fld>
             <a:endParaRPr kumimoji="1" lang="zh-CN" altLang="en-US"/>
           </a:p>
@@ -294,7 +294,7 @@
     </p:spTree>
     <p:extLst>
       <p:ext uri="{BB962C8B-B14F-4D97-AF65-F5344CB8AC3E}">
-        <p14:creationId xmlns:p14="http://schemas.microsoft.com/office/powerpoint/2010/main" val="3917041420"/>
+        <p14:creationId xmlns:p14="http://schemas.microsoft.com/office/powerpoint/2010/main" val="4095323149"/>
       </p:ext>
     </p:extLst>
   </p:cSld>
@@ -413,7 +413,7 @@
           <a:p>
             <a:fld id="{F4936277-C41C-BD48-B2E2-AC7EAD890185}" type="datetimeFigureOut">
               <a:rPr kumimoji="1" lang="zh-CN" altLang="en-US" smtClean="0"/>
-              <a:t>2024/7/28</a:t>
+              <a:t>2024/8/13</a:t>
             </a:fld>
             <a:endParaRPr kumimoji="1" lang="zh-CN" altLang="en-US"/>
           </a:p>
@@ -464,7 +464,7 @@
     </p:spTree>
     <p:extLst>
       <p:ext uri="{BB962C8B-B14F-4D97-AF65-F5344CB8AC3E}">
-        <p14:creationId xmlns:p14="http://schemas.microsoft.com/office/powerpoint/2010/main" val="3944019146"/>
+        <p14:creationId xmlns:p14="http://schemas.microsoft.com/office/powerpoint/2010/main" val="3020868231"/>
       </p:ext>
     </p:extLst>
   </p:cSld>
@@ -503,8 +503,8 @@
         </p:nvSpPr>
         <p:spPr>
           <a:xfrm>
-            <a:off x="2060803" y="130329"/>
-            <a:ext cx="620941" cy="2074503"/>
+            <a:off x="2060803" y="141824"/>
+            <a:ext cx="620941" cy="2257469"/>
           </a:xfrm>
         </p:spPr>
         <p:txBody>
@@ -531,8 +531,8 @@
         </p:nvSpPr>
         <p:spPr>
           <a:xfrm>
-            <a:off x="197981" y="130329"/>
-            <a:ext cx="1826826" cy="2074503"/>
+            <a:off x="197981" y="141824"/>
+            <a:ext cx="1826826" cy="2257469"/>
           </a:xfrm>
         </p:spPr>
         <p:txBody>
@@ -593,7 +593,7 @@
           <a:p>
             <a:fld id="{F4936277-C41C-BD48-B2E2-AC7EAD890185}" type="datetimeFigureOut">
               <a:rPr kumimoji="1" lang="zh-CN" altLang="en-US" smtClean="0"/>
-              <a:t>2024/7/28</a:t>
+              <a:t>2024/8/13</a:t>
             </a:fld>
             <a:endParaRPr kumimoji="1" lang="zh-CN" altLang="en-US"/>
           </a:p>
@@ -644,7 +644,7 @@
     </p:spTree>
     <p:extLst>
       <p:ext uri="{BB962C8B-B14F-4D97-AF65-F5344CB8AC3E}">
-        <p14:creationId xmlns:p14="http://schemas.microsoft.com/office/powerpoint/2010/main" val="2888873039"/>
+        <p14:creationId xmlns:p14="http://schemas.microsoft.com/office/powerpoint/2010/main" val="240605720"/>
       </p:ext>
     </p:extLst>
   </p:cSld>
@@ -763,7 +763,7 @@
           <a:p>
             <a:fld id="{F4936277-C41C-BD48-B2E2-AC7EAD890185}" type="datetimeFigureOut">
               <a:rPr kumimoji="1" lang="zh-CN" altLang="en-US" smtClean="0"/>
-              <a:t>2024/7/28</a:t>
+              <a:t>2024/8/13</a:t>
             </a:fld>
             <a:endParaRPr kumimoji="1" lang="zh-CN" altLang="en-US"/>
           </a:p>
@@ -814,7 +814,7 @@
     </p:spTree>
     <p:extLst>
       <p:ext uri="{BB962C8B-B14F-4D97-AF65-F5344CB8AC3E}">
-        <p14:creationId xmlns:p14="http://schemas.microsoft.com/office/powerpoint/2010/main" val="702022055"/>
+        <p14:creationId xmlns:p14="http://schemas.microsoft.com/office/powerpoint/2010/main" val="3243988331"/>
       </p:ext>
     </p:extLst>
   </p:cSld>
@@ -853,8 +853,8 @@
         </p:nvSpPr>
         <p:spPr>
           <a:xfrm>
-            <a:off x="196481" y="610282"/>
-            <a:ext cx="2483763" cy="1018269"/>
+            <a:off x="196481" y="664107"/>
+            <a:ext cx="2483763" cy="1108077"/>
           </a:xfrm>
         </p:spPr>
         <p:txBody>
@@ -885,8 +885,8 @@
         </p:nvSpPr>
         <p:spPr>
           <a:xfrm>
-            <a:off x="196481" y="1638184"/>
-            <a:ext cx="2483763" cy="535483"/>
+            <a:off x="196481" y="1782667"/>
+            <a:ext cx="2483763" cy="582712"/>
           </a:xfrm>
         </p:spPr>
         <p:txBody>
@@ -1009,7 +1009,7 @@
           <a:p>
             <a:fld id="{F4936277-C41C-BD48-B2E2-AC7EAD890185}" type="datetimeFigureOut">
               <a:rPr kumimoji="1" lang="zh-CN" altLang="en-US" smtClean="0"/>
-              <a:t>2024/7/28</a:t>
+              <a:t>2024/8/13</a:t>
             </a:fld>
             <a:endParaRPr kumimoji="1" lang="zh-CN" altLang="en-US"/>
           </a:p>
@@ -1060,7 +1060,7 @@
     </p:spTree>
     <p:extLst>
       <p:ext uri="{BB962C8B-B14F-4D97-AF65-F5344CB8AC3E}">
-        <p14:creationId xmlns:p14="http://schemas.microsoft.com/office/powerpoint/2010/main" val="2396508402"/>
+        <p14:creationId xmlns:p14="http://schemas.microsoft.com/office/powerpoint/2010/main" val="1357977585"/>
       </p:ext>
     </p:extLst>
   </p:cSld>
@@ -1122,8 +1122,8 @@
         </p:nvSpPr>
         <p:spPr>
           <a:xfrm>
-            <a:off x="197981" y="651647"/>
-            <a:ext cx="1223883" cy="1553186"/>
+            <a:off x="197981" y="709120"/>
+            <a:ext cx="1223883" cy="1690172"/>
           </a:xfrm>
         </p:spPr>
         <p:txBody>
@@ -1179,8 +1179,8 @@
         </p:nvSpPr>
         <p:spPr>
           <a:xfrm>
-            <a:off x="1457861" y="651647"/>
-            <a:ext cx="1223883" cy="1553186"/>
+            <a:off x="1457861" y="709120"/>
+            <a:ext cx="1223883" cy="1690172"/>
           </a:xfrm>
         </p:spPr>
         <p:txBody>
@@ -1241,7 +1241,7 @@
           <a:p>
             <a:fld id="{F4936277-C41C-BD48-B2E2-AC7EAD890185}" type="datetimeFigureOut">
               <a:rPr kumimoji="1" lang="zh-CN" altLang="en-US" smtClean="0"/>
-              <a:t>2024/7/28</a:t>
+              <a:t>2024/8/13</a:t>
             </a:fld>
             <a:endParaRPr kumimoji="1" lang="zh-CN" altLang="en-US"/>
           </a:p>
@@ -1292,7 +1292,7 @@
     </p:spTree>
     <p:extLst>
       <p:ext uri="{BB962C8B-B14F-4D97-AF65-F5344CB8AC3E}">
-        <p14:creationId xmlns:p14="http://schemas.microsoft.com/office/powerpoint/2010/main" val="1740696766"/>
+        <p14:creationId xmlns:p14="http://schemas.microsoft.com/office/powerpoint/2010/main" val="3737356839"/>
       </p:ext>
     </p:extLst>
   </p:cSld>
@@ -1331,8 +1331,8 @@
         </p:nvSpPr>
         <p:spPr>
           <a:xfrm>
-            <a:off x="198356" y="130330"/>
-            <a:ext cx="2483763" cy="473152"/>
+            <a:off x="198356" y="141825"/>
+            <a:ext cx="2483763" cy="514883"/>
           </a:xfrm>
         </p:spPr>
         <p:txBody>
@@ -1359,8 +1359,8 @@
         </p:nvSpPr>
         <p:spPr>
           <a:xfrm>
-            <a:off x="198357" y="600082"/>
-            <a:ext cx="1218258" cy="294091"/>
+            <a:off x="198357" y="653007"/>
+            <a:ext cx="1218258" cy="320029"/>
           </a:xfrm>
         </p:spPr>
         <p:txBody>
@@ -1424,8 +1424,8 @@
         </p:nvSpPr>
         <p:spPr>
           <a:xfrm>
-            <a:off x="198357" y="894173"/>
-            <a:ext cx="1218258" cy="1315193"/>
+            <a:off x="198357" y="973036"/>
+            <a:ext cx="1218258" cy="1431190"/>
           </a:xfrm>
         </p:spPr>
         <p:txBody>
@@ -1481,8 +1481,8 @@
         </p:nvSpPr>
         <p:spPr>
           <a:xfrm>
-            <a:off x="1457861" y="600082"/>
-            <a:ext cx="1224258" cy="294091"/>
+            <a:off x="1457861" y="653007"/>
+            <a:ext cx="1224258" cy="320029"/>
           </a:xfrm>
         </p:spPr>
         <p:txBody>
@@ -1546,8 +1546,8 @@
         </p:nvSpPr>
         <p:spPr>
           <a:xfrm>
-            <a:off x="1457861" y="894173"/>
-            <a:ext cx="1224258" cy="1315193"/>
+            <a:off x="1457861" y="973036"/>
+            <a:ext cx="1224258" cy="1431190"/>
           </a:xfrm>
         </p:spPr>
         <p:txBody>
@@ -1608,7 +1608,7 @@
           <a:p>
             <a:fld id="{F4936277-C41C-BD48-B2E2-AC7EAD890185}" type="datetimeFigureOut">
               <a:rPr kumimoji="1" lang="zh-CN" altLang="en-US" smtClean="0"/>
-              <a:t>2024/7/28</a:t>
+              <a:t>2024/8/13</a:t>
             </a:fld>
             <a:endParaRPr kumimoji="1" lang="zh-CN" altLang="en-US"/>
           </a:p>
@@ -1659,7 +1659,7 @@
     </p:spTree>
     <p:extLst>
       <p:ext uri="{BB962C8B-B14F-4D97-AF65-F5344CB8AC3E}">
-        <p14:creationId xmlns:p14="http://schemas.microsoft.com/office/powerpoint/2010/main" val="2232086232"/>
+        <p14:creationId xmlns:p14="http://schemas.microsoft.com/office/powerpoint/2010/main" val="226706069"/>
       </p:ext>
     </p:extLst>
   </p:cSld>
@@ -1726,7 +1726,7 @@
           <a:p>
             <a:fld id="{F4936277-C41C-BD48-B2E2-AC7EAD890185}" type="datetimeFigureOut">
               <a:rPr kumimoji="1" lang="zh-CN" altLang="en-US" smtClean="0"/>
-              <a:t>2024/7/28</a:t>
+              <a:t>2024/8/13</a:t>
             </a:fld>
             <a:endParaRPr kumimoji="1" lang="zh-CN" altLang="en-US"/>
           </a:p>
@@ -1777,7 +1777,7 @@
     </p:spTree>
     <p:extLst>
       <p:ext uri="{BB962C8B-B14F-4D97-AF65-F5344CB8AC3E}">
-        <p14:creationId xmlns:p14="http://schemas.microsoft.com/office/powerpoint/2010/main" val="1874650631"/>
+        <p14:creationId xmlns:p14="http://schemas.microsoft.com/office/powerpoint/2010/main" val="1095823249"/>
       </p:ext>
     </p:extLst>
   </p:cSld>
@@ -1821,7 +1821,7 @@
           <a:p>
             <a:fld id="{F4936277-C41C-BD48-B2E2-AC7EAD890185}" type="datetimeFigureOut">
               <a:rPr kumimoji="1" lang="zh-CN" altLang="en-US" smtClean="0"/>
-              <a:t>2024/7/28</a:t>
+              <a:t>2024/8/13</a:t>
             </a:fld>
             <a:endParaRPr kumimoji="1" lang="zh-CN" altLang="en-US"/>
           </a:p>
@@ -1872,7 +1872,7 @@
     </p:spTree>
     <p:extLst>
       <p:ext uri="{BB962C8B-B14F-4D97-AF65-F5344CB8AC3E}">
-        <p14:creationId xmlns:p14="http://schemas.microsoft.com/office/powerpoint/2010/main" val="730058793"/>
+        <p14:creationId xmlns:p14="http://schemas.microsoft.com/office/powerpoint/2010/main" val="796118424"/>
       </p:ext>
     </p:extLst>
   </p:cSld>
@@ -1911,8 +1911,8 @@
         </p:nvSpPr>
         <p:spPr>
           <a:xfrm>
-            <a:off x="198356" y="163195"/>
-            <a:ext cx="928786" cy="571183"/>
+            <a:off x="198356" y="177588"/>
+            <a:ext cx="928786" cy="621559"/>
           </a:xfrm>
         </p:spPr>
         <p:txBody>
@@ -1943,8 +1943,8 @@
         </p:nvSpPr>
         <p:spPr>
           <a:xfrm>
-            <a:off x="1224258" y="352457"/>
-            <a:ext cx="1457861" cy="1739613"/>
+            <a:off x="1224258" y="383542"/>
+            <a:ext cx="1457861" cy="1893042"/>
           </a:xfrm>
         </p:spPr>
         <p:txBody>
@@ -2028,8 +2028,8 @@
         </p:nvSpPr>
         <p:spPr>
           <a:xfrm>
-            <a:off x="198356" y="734378"/>
-            <a:ext cx="928786" cy="1360525"/>
+            <a:off x="198356" y="799147"/>
+            <a:ext cx="928786" cy="1480520"/>
           </a:xfrm>
         </p:spPr>
         <p:txBody>
@@ -2098,7 +2098,7 @@
           <a:p>
             <a:fld id="{F4936277-C41C-BD48-B2E2-AC7EAD890185}" type="datetimeFigureOut">
               <a:rPr kumimoji="1" lang="zh-CN" altLang="en-US" smtClean="0"/>
-              <a:t>2024/7/28</a:t>
+              <a:t>2024/8/13</a:t>
             </a:fld>
             <a:endParaRPr kumimoji="1" lang="zh-CN" altLang="en-US"/>
           </a:p>
@@ -2149,7 +2149,7 @@
     </p:spTree>
     <p:extLst>
       <p:ext uri="{BB962C8B-B14F-4D97-AF65-F5344CB8AC3E}">
-        <p14:creationId xmlns:p14="http://schemas.microsoft.com/office/powerpoint/2010/main" val="4284855699"/>
+        <p14:creationId xmlns:p14="http://schemas.microsoft.com/office/powerpoint/2010/main" val="3488135749"/>
       </p:ext>
     </p:extLst>
   </p:cSld>
@@ -2188,8 +2188,8 @@
         </p:nvSpPr>
         <p:spPr>
           <a:xfrm>
-            <a:off x="198356" y="163195"/>
-            <a:ext cx="928786" cy="571183"/>
+            <a:off x="198356" y="177588"/>
+            <a:ext cx="928786" cy="621559"/>
           </a:xfrm>
         </p:spPr>
         <p:txBody>
@@ -2220,8 +2220,8 @@
         </p:nvSpPr>
         <p:spPr>
           <a:xfrm>
-            <a:off x="1224258" y="352457"/>
-            <a:ext cx="1457861" cy="1739613"/>
+            <a:off x="1224258" y="383542"/>
+            <a:ext cx="1457861" cy="1893042"/>
           </a:xfrm>
         </p:spPr>
         <p:txBody>
@@ -2285,8 +2285,8 @@
         </p:nvSpPr>
         <p:spPr>
           <a:xfrm>
-            <a:off x="198356" y="734378"/>
-            <a:ext cx="928786" cy="1360525"/>
+            <a:off x="198356" y="799147"/>
+            <a:ext cx="928786" cy="1480520"/>
           </a:xfrm>
         </p:spPr>
         <p:txBody>
@@ -2355,7 +2355,7 @@
           <a:p>
             <a:fld id="{F4936277-C41C-BD48-B2E2-AC7EAD890185}" type="datetimeFigureOut">
               <a:rPr kumimoji="1" lang="zh-CN" altLang="en-US" smtClean="0"/>
-              <a:t>2024/7/28</a:t>
+              <a:t>2024/8/13</a:t>
             </a:fld>
             <a:endParaRPr kumimoji="1" lang="zh-CN" altLang="en-US"/>
           </a:p>
@@ -2406,7 +2406,7 @@
     </p:spTree>
     <p:extLst>
       <p:ext uri="{BB962C8B-B14F-4D97-AF65-F5344CB8AC3E}">
-        <p14:creationId xmlns:p14="http://schemas.microsoft.com/office/powerpoint/2010/main" val="2455904980"/>
+        <p14:creationId xmlns:p14="http://schemas.microsoft.com/office/powerpoint/2010/main" val="2331838494"/>
       </p:ext>
     </p:extLst>
   </p:cSld>
@@ -2450,8 +2450,8 @@
         </p:nvSpPr>
         <p:spPr>
           <a:xfrm>
-            <a:off x="197981" y="130330"/>
-            <a:ext cx="2483763" cy="473152"/>
+            <a:off x="197981" y="141825"/>
+            <a:ext cx="2483763" cy="514883"/>
           </a:xfrm>
           <a:prstGeom prst="rect">
             <a:avLst/>
@@ -2483,8 +2483,8 @@
         </p:nvSpPr>
         <p:spPr>
           <a:xfrm>
-            <a:off x="197981" y="651647"/>
-            <a:ext cx="2483763" cy="1553186"/>
+            <a:off x="197981" y="709120"/>
+            <a:ext cx="2483763" cy="1690172"/>
           </a:xfrm>
           <a:prstGeom prst="rect">
             <a:avLst/>
@@ -2545,8 +2545,8 @@
         </p:nvSpPr>
         <p:spPr>
           <a:xfrm>
-            <a:off x="197981" y="2268865"/>
-            <a:ext cx="647938" cy="130329"/>
+            <a:off x="197981" y="2468972"/>
+            <a:ext cx="647938" cy="141824"/>
           </a:xfrm>
           <a:prstGeom prst="rect">
             <a:avLst/>
@@ -2568,7 +2568,7 @@
           <a:p>
             <a:fld id="{F4936277-C41C-BD48-B2E2-AC7EAD890185}" type="datetimeFigureOut">
               <a:rPr kumimoji="1" lang="zh-CN" altLang="en-US" smtClean="0"/>
-              <a:t>2024/7/28</a:t>
+              <a:t>2024/8/13</a:t>
             </a:fld>
             <a:endParaRPr kumimoji="1" lang="zh-CN" altLang="en-US"/>
           </a:p>
@@ -2586,8 +2586,8 @@
         </p:nvSpPr>
         <p:spPr>
           <a:xfrm>
-            <a:off x="953909" y="2268865"/>
-            <a:ext cx="971907" cy="130329"/>
+            <a:off x="953909" y="2468972"/>
+            <a:ext cx="971907" cy="141824"/>
           </a:xfrm>
           <a:prstGeom prst="rect">
             <a:avLst/>
@@ -2623,8 +2623,8 @@
         </p:nvSpPr>
         <p:spPr>
           <a:xfrm>
-            <a:off x="2033806" y="2268865"/>
-            <a:ext cx="647938" cy="130329"/>
+            <a:off x="2033806" y="2468972"/>
+            <a:ext cx="647938" cy="141824"/>
           </a:xfrm>
           <a:prstGeom prst="rect">
             <a:avLst/>
@@ -2655,23 +2655,23 @@
     </p:spTree>
     <p:extLst>
       <p:ext uri="{BB962C8B-B14F-4D97-AF65-F5344CB8AC3E}">
-        <p14:creationId xmlns:p14="http://schemas.microsoft.com/office/powerpoint/2010/main" val="3991813538"/>
+        <p14:creationId xmlns:p14="http://schemas.microsoft.com/office/powerpoint/2010/main" val="2848267074"/>
       </p:ext>
     </p:extLst>
   </p:cSld>
   <p:clrMap bg1="lt1" tx1="dk1" bg2="lt2" tx2="dk2" accent1="accent1" accent2="accent2" accent3="accent3" accent4="accent4" accent5="accent5" accent6="accent6" hlink="hlink" folHlink="folHlink"/>
   <p:sldLayoutIdLst>
-    <p:sldLayoutId id="2147483685" r:id="rId1"/>
-    <p:sldLayoutId id="2147483686" r:id="rId2"/>
-    <p:sldLayoutId id="2147483687" r:id="rId3"/>
-    <p:sldLayoutId id="2147483688" r:id="rId4"/>
-    <p:sldLayoutId id="2147483689" r:id="rId5"/>
-    <p:sldLayoutId id="2147483690" r:id="rId6"/>
-    <p:sldLayoutId id="2147483691" r:id="rId7"/>
-    <p:sldLayoutId id="2147483692" r:id="rId8"/>
-    <p:sldLayoutId id="2147483693" r:id="rId9"/>
-    <p:sldLayoutId id="2147483694" r:id="rId10"/>
-    <p:sldLayoutId id="2147483695" r:id="rId11"/>
+    <p:sldLayoutId id="2147483709" r:id="rId1"/>
+    <p:sldLayoutId id="2147483710" r:id="rId2"/>
+    <p:sldLayoutId id="2147483711" r:id="rId3"/>
+    <p:sldLayoutId id="2147483712" r:id="rId4"/>
+    <p:sldLayoutId id="2147483713" r:id="rId5"/>
+    <p:sldLayoutId id="2147483714" r:id="rId6"/>
+    <p:sldLayoutId id="2147483715" r:id="rId7"/>
+    <p:sldLayoutId id="2147483716" r:id="rId8"/>
+    <p:sldLayoutId id="2147483717" r:id="rId9"/>
+    <p:sldLayoutId id="2147483718" r:id="rId10"/>
+    <p:sldLayoutId id="2147483719" r:id="rId11"/>
   </p:sldLayoutIdLst>
   <p:txStyles>
     <p:titleStyle>
@@ -2987,7 +2987,7 @@
         </p:nvSpPr>
         <p:spPr>
           <a:xfrm>
-            <a:off x="35862" y="32543"/>
+            <a:off x="35862" y="29368"/>
             <a:ext cx="2808000" cy="129600"/>
           </a:xfrm>
           <a:prstGeom prst="roundRect">
@@ -3042,7 +3042,7 @@
         </p:nvSpPr>
         <p:spPr>
           <a:xfrm>
-            <a:off x="33048" y="294496"/>
+            <a:off x="31437" y="291321"/>
             <a:ext cx="360000" cy="241300"/>
           </a:xfrm>
           <a:prstGeom prst="roundRect">
@@ -3097,7 +3097,7 @@
         </p:nvSpPr>
         <p:spPr>
           <a:xfrm>
-            <a:off x="645752" y="294496"/>
+            <a:off x="644704" y="291321"/>
             <a:ext cx="360000" cy="241300"/>
           </a:xfrm>
           <a:prstGeom prst="roundRect">
@@ -3152,7 +3152,7 @@
         </p:nvSpPr>
         <p:spPr>
           <a:xfrm>
-            <a:off x="1258456" y="294496"/>
+            <a:off x="1257972" y="291321"/>
             <a:ext cx="360000" cy="241300"/>
           </a:xfrm>
           <a:prstGeom prst="roundRect">
@@ -3207,7 +3207,7 @@
         </p:nvSpPr>
         <p:spPr>
           <a:xfrm>
-            <a:off x="1871160" y="294496"/>
+            <a:off x="1871160" y="291321"/>
             <a:ext cx="360000" cy="241300"/>
           </a:xfrm>
           <a:prstGeom prst="roundRect">
@@ -3262,7 +3262,7 @@
         </p:nvSpPr>
         <p:spPr>
           <a:xfrm>
-            <a:off x="2483862" y="294496"/>
+            <a:off x="2484287" y="291321"/>
             <a:ext cx="360000" cy="241300"/>
           </a:xfrm>
           <a:prstGeom prst="roundRect">
@@ -3321,8 +3321,8 @@
         </p:nvCxnSpPr>
         <p:spPr>
           <a:xfrm rot="5400000">
-            <a:off x="760279" y="-385088"/>
-            <a:ext cx="132353" cy="1226814"/>
+            <a:off x="759475" y="-389068"/>
+            <a:ext cx="132353" cy="1228425"/>
           </a:xfrm>
           <a:prstGeom prst="bentConnector3">
             <a:avLst/>
@@ -3364,8 +3364,8 @@
         </p:nvCxnSpPr>
         <p:spPr>
           <a:xfrm rot="5400000">
-            <a:off x="1066631" y="-78736"/>
-            <a:ext cx="132353" cy="614110"/>
+            <a:off x="1066108" y="-82435"/>
+            <a:ext cx="132353" cy="615158"/>
           </a:xfrm>
           <a:prstGeom prst="bentConnector3">
             <a:avLst>
@@ -3409,8 +3409,8 @@
         </p:nvCxnSpPr>
         <p:spPr>
           <a:xfrm rot="5400000">
-            <a:off x="1372983" y="227616"/>
-            <a:ext cx="132353" cy="1406"/>
+            <a:off x="1372742" y="224199"/>
+            <a:ext cx="132353" cy="1890"/>
           </a:xfrm>
           <a:prstGeom prst="bentConnector3">
             <a:avLst>
@@ -3454,7 +3454,7 @@
         </p:nvCxnSpPr>
         <p:spPr>
           <a:xfrm rot="16200000" flipH="1">
-            <a:off x="1679335" y="-77330"/>
+            <a:off x="1679336" y="-80505"/>
             <a:ext cx="132353" cy="611298"/>
           </a:xfrm>
           <a:prstGeom prst="bentConnector3">
@@ -3499,8 +3499,8 @@
         </p:nvCxnSpPr>
         <p:spPr>
           <a:xfrm rot="16200000" flipH="1">
-            <a:off x="1985686" y="-383681"/>
-            <a:ext cx="132353" cy="1224000"/>
+            <a:off x="1985899" y="-387069"/>
+            <a:ext cx="132353" cy="1224425"/>
           </a:xfrm>
           <a:prstGeom prst="bentConnector3">
             <a:avLst>
@@ -3540,7 +3540,7 @@
         </p:nvSpPr>
         <p:spPr>
           <a:xfrm>
-            <a:off x="35862" y="635793"/>
+            <a:off x="35862" y="886618"/>
             <a:ext cx="2808000" cy="1469232"/>
           </a:xfrm>
           <a:prstGeom prst="rect">
@@ -3587,7 +3587,7 @@
         </p:nvSpPr>
         <p:spPr>
           <a:xfrm>
-            <a:off x="69665" y="671292"/>
+            <a:off x="69667" y="922117"/>
             <a:ext cx="612767" cy="241300"/>
           </a:xfrm>
           <a:prstGeom prst="roundRect">
@@ -3642,7 +3642,7 @@
         </p:nvSpPr>
         <p:spPr>
           <a:xfrm>
-            <a:off x="69665" y="957262"/>
+            <a:off x="69667" y="1208087"/>
             <a:ext cx="612767" cy="241300"/>
           </a:xfrm>
           <a:prstGeom prst="roundRect">
@@ -3697,7 +3697,7 @@
         </p:nvSpPr>
         <p:spPr>
           <a:xfrm>
-            <a:off x="69665" y="1353343"/>
+            <a:off x="69667" y="1604168"/>
             <a:ext cx="612767" cy="241300"/>
           </a:xfrm>
           <a:prstGeom prst="roundRect">
@@ -3752,7 +3752,7 @@
         </p:nvSpPr>
         <p:spPr>
           <a:xfrm>
-            <a:off x="216789" y="1107124"/>
+            <a:off x="216789" y="1357951"/>
             <a:ext cx="306742" cy="246221"/>
           </a:xfrm>
           <a:prstGeom prst="rect">
@@ -3795,7 +3795,7 @@
         </p:nvSpPr>
         <p:spPr>
           <a:xfrm>
-            <a:off x="809148" y="714264"/>
+            <a:off x="809150" y="965089"/>
             <a:ext cx="577893" cy="843976"/>
           </a:xfrm>
           <a:prstGeom prst="roundRect">
@@ -3854,7 +3854,7 @@
         </p:nvCxnSpPr>
         <p:spPr>
           <a:xfrm>
-            <a:off x="682431" y="791942"/>
+            <a:off x="682431" y="1042767"/>
             <a:ext cx="126716" cy="344310"/>
           </a:xfrm>
           <a:prstGeom prst="bentConnector3">
@@ -3899,7 +3899,7 @@
         </p:nvCxnSpPr>
         <p:spPr>
           <a:xfrm>
-            <a:off x="682431" y="1077912"/>
+            <a:off x="682431" y="1328737"/>
             <a:ext cx="126716" cy="58340"/>
           </a:xfrm>
           <a:prstGeom prst="bentConnector3">
@@ -3944,7 +3944,7 @@
         </p:nvCxnSpPr>
         <p:spPr>
           <a:xfrm flipV="1">
-            <a:off x="682431" y="1136253"/>
+            <a:off x="682431" y="1387080"/>
             <a:ext cx="126716" cy="337741"/>
           </a:xfrm>
           <a:prstGeom prst="bentConnector3">
@@ -3985,7 +3985,7 @@
         </p:nvSpPr>
         <p:spPr>
           <a:xfrm>
-            <a:off x="1528453" y="671292"/>
+            <a:off x="1528455" y="922117"/>
             <a:ext cx="612767" cy="241300"/>
           </a:xfrm>
           <a:prstGeom prst="roundRect">
@@ -4040,7 +4040,7 @@
         </p:nvSpPr>
         <p:spPr>
           <a:xfrm>
-            <a:off x="1528452" y="988932"/>
+            <a:off x="1528454" y="1239757"/>
             <a:ext cx="612767" cy="241300"/>
           </a:xfrm>
           <a:prstGeom prst="roundRect">
@@ -4095,7 +4095,7 @@
         </p:nvSpPr>
         <p:spPr>
           <a:xfrm>
-            <a:off x="1528452" y="1353343"/>
+            <a:off x="1528454" y="1604168"/>
             <a:ext cx="612767" cy="241300"/>
           </a:xfrm>
           <a:prstGeom prst="roundRect">
@@ -4154,7 +4154,7 @@
         </p:nvCxnSpPr>
         <p:spPr>
           <a:xfrm flipV="1">
-            <a:off x="1387040" y="791942"/>
+            <a:off x="1387040" y="1042767"/>
             <a:ext cx="141412" cy="344310"/>
           </a:xfrm>
           <a:prstGeom prst="bentConnector3">
@@ -4199,7 +4199,7 @@
         </p:nvCxnSpPr>
         <p:spPr>
           <a:xfrm flipV="1">
-            <a:off x="1387041" y="1109582"/>
+            <a:off x="1387043" y="1360407"/>
             <a:ext cx="141411" cy="26670"/>
           </a:xfrm>
           <a:prstGeom prst="bentConnector3">
@@ -4244,7 +4244,7 @@
         </p:nvCxnSpPr>
         <p:spPr>
           <a:xfrm>
-            <a:off x="1387041" y="1136253"/>
+            <a:off x="1387043" y="1387080"/>
             <a:ext cx="141411" cy="337741"/>
           </a:xfrm>
           <a:prstGeom prst="bentConnector3">
@@ -4285,7 +4285,7 @@
         </p:nvSpPr>
         <p:spPr>
           <a:xfrm>
-            <a:off x="1645439" y="1118236"/>
+            <a:off x="1645439" y="1369063"/>
             <a:ext cx="306742" cy="246221"/>
           </a:xfrm>
           <a:prstGeom prst="rect">
@@ -4328,7 +4328,7 @@
         </p:nvSpPr>
         <p:spPr>
           <a:xfrm>
-            <a:off x="2258206" y="871775"/>
+            <a:off x="2258206" y="1122600"/>
             <a:ext cx="564700" cy="470614"/>
           </a:xfrm>
           <a:prstGeom prst="roundRect">
@@ -4403,7 +4403,7 @@
         </p:nvSpPr>
         <p:spPr>
           <a:xfrm>
-            <a:off x="2137941" y="713372"/>
+            <a:off x="2137941" y="964197"/>
             <a:ext cx="116008" cy="801004"/>
           </a:xfrm>
           <a:prstGeom prst="rightBrace">
@@ -4448,7 +4448,7 @@
         </p:nvSpPr>
         <p:spPr>
           <a:xfrm>
-            <a:off x="48876" y="1676093"/>
+            <a:off x="48878" y="1926918"/>
             <a:ext cx="2794987" cy="369332"/>
           </a:xfrm>
           <a:prstGeom prst="rect">
@@ -4488,13 +4488,14 @@
           <p:cNvCxnSpPr>
             <a:cxnSpLocks/>
             <a:stCxn id="5" idx="2"/>
+            <a:endCxn id="2" idx="0"/>
           </p:cNvCxnSpPr>
           <p:nvPr/>
         </p:nvCxnSpPr>
         <p:spPr>
           <a:xfrm>
-            <a:off x="213048" y="535796"/>
-            <a:ext cx="0" cy="99996"/>
+            <a:off x="211438" y="532622"/>
+            <a:ext cx="1" cy="76295"/>
           </a:xfrm>
           <a:prstGeom prst="straightConnector1">
             <a:avLst/>
@@ -4530,13 +4531,14 @@
           <p:cNvCxnSpPr>
             <a:cxnSpLocks/>
             <a:stCxn id="10" idx="2"/>
+            <a:endCxn id="3" idx="0"/>
           </p:cNvCxnSpPr>
           <p:nvPr/>
         </p:nvCxnSpPr>
         <p:spPr>
           <a:xfrm>
-            <a:off x="825752" y="535796"/>
-            <a:ext cx="0" cy="117853"/>
+            <a:off x="824705" y="532622"/>
+            <a:ext cx="1" cy="76295"/>
           </a:xfrm>
           <a:prstGeom prst="straightConnector1">
             <a:avLst/>
@@ -4572,14 +4574,14 @@
           <p:cNvCxnSpPr>
             <a:cxnSpLocks/>
             <a:stCxn id="11" idx="2"/>
-            <a:endCxn id="32" idx="0"/>
+            <a:endCxn id="6" idx="0"/>
           </p:cNvCxnSpPr>
           <p:nvPr/>
         </p:nvCxnSpPr>
         <p:spPr>
           <a:xfrm>
-            <a:off x="1438456" y="535796"/>
-            <a:ext cx="1406" cy="99997"/>
+            <a:off x="1437973" y="532622"/>
+            <a:ext cx="1" cy="76295"/>
           </a:xfrm>
           <a:prstGeom prst="straightConnector1">
             <a:avLst/>
@@ -4615,13 +4617,14 @@
           <p:cNvCxnSpPr>
             <a:cxnSpLocks/>
             <a:stCxn id="12" idx="2"/>
+            <a:endCxn id="7" idx="0"/>
           </p:cNvCxnSpPr>
           <p:nvPr/>
         </p:nvCxnSpPr>
         <p:spPr>
           <a:xfrm>
-            <a:off x="2051160" y="535796"/>
-            <a:ext cx="0" cy="99996"/>
+            <a:off x="2051161" y="532622"/>
+            <a:ext cx="1" cy="76295"/>
           </a:xfrm>
           <a:prstGeom prst="straightConnector1">
             <a:avLst/>
@@ -4657,13 +4660,14 @@
           <p:cNvCxnSpPr>
             <a:cxnSpLocks/>
             <a:stCxn id="13" idx="2"/>
+            <a:endCxn id="8" idx="0"/>
           </p:cNvCxnSpPr>
           <p:nvPr/>
         </p:nvCxnSpPr>
         <p:spPr>
           <a:xfrm>
-            <a:off x="2663862" y="535796"/>
-            <a:ext cx="0" cy="97892"/>
+            <a:off x="2664288" y="532622"/>
+            <a:ext cx="1" cy="76295"/>
           </a:xfrm>
           <a:prstGeom prst="straightConnector1">
             <a:avLst/>
@@ -4701,7 +4705,7 @@
         </p:nvSpPr>
         <p:spPr>
           <a:xfrm>
-            <a:off x="29826" y="2207136"/>
+            <a:off x="29826" y="2457961"/>
             <a:ext cx="550800" cy="180000"/>
           </a:xfrm>
           <a:prstGeom prst="roundRect">
@@ -4756,7 +4760,7 @@
         </p:nvSpPr>
         <p:spPr>
           <a:xfrm>
-            <a:off x="598327" y="2207136"/>
+            <a:off x="598327" y="2457961"/>
             <a:ext cx="550800" cy="180000"/>
           </a:xfrm>
           <a:prstGeom prst="roundRect">
@@ -4811,7 +4815,7 @@
         </p:nvSpPr>
         <p:spPr>
           <a:xfrm>
-            <a:off x="1166828" y="2207136"/>
+            <a:off x="1166828" y="2457961"/>
             <a:ext cx="550800" cy="180000"/>
           </a:xfrm>
           <a:prstGeom prst="roundRect">
@@ -4866,7 +4870,7 @@
         </p:nvSpPr>
         <p:spPr>
           <a:xfrm>
-            <a:off x="1735329" y="2207136"/>
+            <a:off x="1735329" y="2457961"/>
             <a:ext cx="550800" cy="180000"/>
           </a:xfrm>
           <a:prstGeom prst="roundRect">
@@ -4921,7 +4925,7 @@
         </p:nvSpPr>
         <p:spPr>
           <a:xfrm>
-            <a:off x="2303831" y="2207136"/>
+            <a:off x="2303833" y="2457961"/>
             <a:ext cx="552731" cy="180000"/>
           </a:xfrm>
           <a:prstGeom prst="roundRect">
@@ -4979,7 +4983,7 @@
         </p:nvCxnSpPr>
         <p:spPr>
           <a:xfrm>
-            <a:off x="2580197" y="2105025"/>
+            <a:off x="2580197" y="2355852"/>
             <a:ext cx="0" cy="102111"/>
           </a:xfrm>
           <a:prstGeom prst="straightConnector1">
@@ -5021,7 +5025,7 @@
         </p:nvCxnSpPr>
         <p:spPr>
           <a:xfrm>
-            <a:off x="2010729" y="2105025"/>
+            <a:off x="2010729" y="2355852"/>
             <a:ext cx="0" cy="102111"/>
           </a:xfrm>
           <a:prstGeom prst="straightConnector1">
@@ -5064,7 +5068,7 @@
         </p:nvCxnSpPr>
         <p:spPr>
           <a:xfrm>
-            <a:off x="1439862" y="2105025"/>
+            <a:off x="1439862" y="2355852"/>
             <a:ext cx="2366" cy="102111"/>
           </a:xfrm>
           <a:prstGeom prst="straightConnector1">
@@ -5106,7 +5110,7 @@
         </p:nvCxnSpPr>
         <p:spPr>
           <a:xfrm>
-            <a:off x="873727" y="2105025"/>
+            <a:off x="873727" y="2355852"/>
             <a:ext cx="0" cy="102111"/>
           </a:xfrm>
           <a:prstGeom prst="straightConnector1">
@@ -5148,7 +5152,493 @@
         </p:nvCxnSpPr>
         <p:spPr>
           <a:xfrm>
-            <a:off x="305226" y="2105025"/>
+            <a:off x="305226" y="2355852"/>
+            <a:ext cx="0" cy="102111"/>
+          </a:xfrm>
+          <a:prstGeom prst="straightConnector1">
+            <a:avLst/>
+          </a:prstGeom>
+          <a:ln w="9525">
+            <a:tailEnd type="triangle" w="sm" len="sm"/>
+          </a:ln>
+        </p:spPr>
+        <p:style>
+          <a:lnRef idx="1">
+            <a:schemeClr val="dk1"/>
+          </a:lnRef>
+          <a:fillRef idx="0">
+            <a:schemeClr val="dk1"/>
+          </a:fillRef>
+          <a:effectRef idx="0">
+            <a:schemeClr val="dk1"/>
+          </a:effectRef>
+          <a:fontRef idx="minor">
+            <a:schemeClr val="tx1"/>
+          </a:fontRef>
+        </p:style>
+      </p:cxnSp>
+      <p:sp>
+        <p:nvSpPr>
+          <p:cNvPr id="2" name="圆角矩形 1">
+            <a:extLst>
+              <a:ext uri="{FF2B5EF4-FFF2-40B4-BE49-F238E27FC236}">
+                <a16:creationId xmlns:a16="http://schemas.microsoft.com/office/drawing/2014/main" id="{835CF091-A638-6DE5-6F61-27F1E06A6E10}"/>
+              </a:ext>
+            </a:extLst>
+          </p:cNvPr>
+          <p:cNvSpPr/>
+          <p:nvPr/>
+        </p:nvSpPr>
+        <p:spPr>
+          <a:xfrm>
+            <a:off x="32284" y="608916"/>
+            <a:ext cx="358309" cy="180000"/>
+          </a:xfrm>
+          <a:prstGeom prst="roundRect">
+            <a:avLst/>
+          </a:prstGeom>
+          <a:ln w="9525"/>
+        </p:spPr>
+        <p:style>
+          <a:lnRef idx="2">
+            <a:schemeClr val="dk1"/>
+          </a:lnRef>
+          <a:fillRef idx="1">
+            <a:schemeClr val="lt1"/>
+          </a:fillRef>
+          <a:effectRef idx="0">
+            <a:schemeClr val="dk1"/>
+          </a:effectRef>
+          <a:fontRef idx="minor">
+            <a:schemeClr val="dk1"/>
+          </a:fontRef>
+        </p:style>
+        <p:txBody>
+          <a:bodyPr lIns="0" tIns="0" rIns="0" bIns="0" rtlCol="0" anchor="ctr"/>
+          <a:lstStyle/>
+          <a:p>
+            <a:pPr algn="ctr"/>
+            <a:r>
+              <a:rPr kumimoji="1" lang="en-US" altLang="zh-CN" sz="800" dirty="0">
+                <a:latin typeface="Arial" panose="020B0604020202020204" pitchFamily="34" charset="0"/>
+                <a:cs typeface="Arial" panose="020B0604020202020204" pitchFamily="34" charset="0"/>
+              </a:rPr>
+              <a:t>Runoff</a:t>
+            </a:r>
+            <a:endParaRPr kumimoji="1" lang="zh-CN" altLang="en-US" sz="800" dirty="0">
+              <a:latin typeface="Arial" panose="020B0604020202020204" pitchFamily="34" charset="0"/>
+              <a:cs typeface="Arial" panose="020B0604020202020204" pitchFamily="34" charset="0"/>
+            </a:endParaRPr>
+          </a:p>
+        </p:txBody>
+      </p:sp>
+      <p:sp>
+        <p:nvSpPr>
+          <p:cNvPr id="3" name="圆角矩形 2">
+            <a:extLst>
+              <a:ext uri="{FF2B5EF4-FFF2-40B4-BE49-F238E27FC236}">
+                <a16:creationId xmlns:a16="http://schemas.microsoft.com/office/drawing/2014/main" id="{6314F1ED-8C09-738C-1F8B-C985072FFEEB}"/>
+              </a:ext>
+            </a:extLst>
+          </p:cNvPr>
+          <p:cNvSpPr/>
+          <p:nvPr/>
+        </p:nvSpPr>
+        <p:spPr>
+          <a:xfrm>
+            <a:off x="645551" y="608916"/>
+            <a:ext cx="358309" cy="180000"/>
+          </a:xfrm>
+          <a:prstGeom prst="roundRect">
+            <a:avLst/>
+          </a:prstGeom>
+          <a:ln w="9525"/>
+        </p:spPr>
+        <p:style>
+          <a:lnRef idx="2">
+            <a:schemeClr val="dk1"/>
+          </a:lnRef>
+          <a:fillRef idx="1">
+            <a:schemeClr val="lt1"/>
+          </a:fillRef>
+          <a:effectRef idx="0">
+            <a:schemeClr val="dk1"/>
+          </a:effectRef>
+          <a:fontRef idx="minor">
+            <a:schemeClr val="dk1"/>
+          </a:fontRef>
+        </p:style>
+        <p:txBody>
+          <a:bodyPr lIns="0" tIns="0" rIns="0" bIns="0" rtlCol="0" anchor="ctr"/>
+          <a:lstStyle/>
+          <a:p>
+            <a:pPr algn="ctr"/>
+            <a:r>
+              <a:rPr kumimoji="1" lang="en-US" altLang="zh-CN" sz="800" dirty="0">
+                <a:latin typeface="Arial" panose="020B0604020202020204" pitchFamily="34" charset="0"/>
+                <a:cs typeface="Arial" panose="020B0604020202020204" pitchFamily="34" charset="0"/>
+              </a:rPr>
+              <a:t>Runoff</a:t>
+            </a:r>
+            <a:endParaRPr kumimoji="1" lang="zh-CN" altLang="en-US" sz="800" dirty="0">
+              <a:latin typeface="Arial" panose="020B0604020202020204" pitchFamily="34" charset="0"/>
+              <a:cs typeface="Arial" panose="020B0604020202020204" pitchFamily="34" charset="0"/>
+            </a:endParaRPr>
+          </a:p>
+        </p:txBody>
+      </p:sp>
+      <p:sp>
+        <p:nvSpPr>
+          <p:cNvPr id="6" name="圆角矩形 5">
+            <a:extLst>
+              <a:ext uri="{FF2B5EF4-FFF2-40B4-BE49-F238E27FC236}">
+                <a16:creationId xmlns:a16="http://schemas.microsoft.com/office/drawing/2014/main" id="{02E7CD2D-147F-F759-AE11-65940FEA56BB}"/>
+              </a:ext>
+            </a:extLst>
+          </p:cNvPr>
+          <p:cNvSpPr/>
+          <p:nvPr/>
+        </p:nvSpPr>
+        <p:spPr>
+          <a:xfrm>
+            <a:off x="1258819" y="608916"/>
+            <a:ext cx="358309" cy="180000"/>
+          </a:xfrm>
+          <a:prstGeom prst="roundRect">
+            <a:avLst/>
+          </a:prstGeom>
+          <a:ln w="9525"/>
+        </p:spPr>
+        <p:style>
+          <a:lnRef idx="2">
+            <a:schemeClr val="dk1"/>
+          </a:lnRef>
+          <a:fillRef idx="1">
+            <a:schemeClr val="lt1"/>
+          </a:fillRef>
+          <a:effectRef idx="0">
+            <a:schemeClr val="dk1"/>
+          </a:effectRef>
+          <a:fontRef idx="minor">
+            <a:schemeClr val="dk1"/>
+          </a:fontRef>
+        </p:style>
+        <p:txBody>
+          <a:bodyPr lIns="0" tIns="0" rIns="0" bIns="0" rtlCol="0" anchor="ctr"/>
+          <a:lstStyle/>
+          <a:p>
+            <a:pPr algn="ctr"/>
+            <a:r>
+              <a:rPr kumimoji="1" lang="en-US" altLang="zh-CN" sz="800" dirty="0">
+                <a:latin typeface="Arial" panose="020B0604020202020204" pitchFamily="34" charset="0"/>
+                <a:cs typeface="Arial" panose="020B0604020202020204" pitchFamily="34" charset="0"/>
+              </a:rPr>
+              <a:t>Runoff</a:t>
+            </a:r>
+            <a:endParaRPr kumimoji="1" lang="zh-CN" altLang="en-US" sz="800" dirty="0">
+              <a:latin typeface="Arial" panose="020B0604020202020204" pitchFamily="34" charset="0"/>
+              <a:cs typeface="Arial" panose="020B0604020202020204" pitchFamily="34" charset="0"/>
+            </a:endParaRPr>
+          </a:p>
+        </p:txBody>
+      </p:sp>
+      <p:sp>
+        <p:nvSpPr>
+          <p:cNvPr id="7" name="圆角矩形 6">
+            <a:extLst>
+              <a:ext uri="{FF2B5EF4-FFF2-40B4-BE49-F238E27FC236}">
+                <a16:creationId xmlns:a16="http://schemas.microsoft.com/office/drawing/2014/main" id="{C919E8A8-3E2D-1CD6-79AB-632926003B85}"/>
+              </a:ext>
+            </a:extLst>
+          </p:cNvPr>
+          <p:cNvSpPr/>
+          <p:nvPr/>
+        </p:nvSpPr>
+        <p:spPr>
+          <a:xfrm>
+            <a:off x="1872007" y="608916"/>
+            <a:ext cx="358309" cy="180000"/>
+          </a:xfrm>
+          <a:prstGeom prst="roundRect">
+            <a:avLst/>
+          </a:prstGeom>
+          <a:ln w="9525"/>
+        </p:spPr>
+        <p:style>
+          <a:lnRef idx="2">
+            <a:schemeClr val="dk1"/>
+          </a:lnRef>
+          <a:fillRef idx="1">
+            <a:schemeClr val="lt1"/>
+          </a:fillRef>
+          <a:effectRef idx="0">
+            <a:schemeClr val="dk1"/>
+          </a:effectRef>
+          <a:fontRef idx="minor">
+            <a:schemeClr val="dk1"/>
+          </a:fontRef>
+        </p:style>
+        <p:txBody>
+          <a:bodyPr lIns="0" tIns="0" rIns="0" bIns="0" rtlCol="0" anchor="ctr"/>
+          <a:lstStyle/>
+          <a:p>
+            <a:pPr algn="ctr"/>
+            <a:r>
+              <a:rPr kumimoji="1" lang="en-US" altLang="zh-CN" sz="800" dirty="0">
+                <a:latin typeface="Arial" panose="020B0604020202020204" pitchFamily="34" charset="0"/>
+                <a:cs typeface="Arial" panose="020B0604020202020204" pitchFamily="34" charset="0"/>
+              </a:rPr>
+              <a:t>Runoff</a:t>
+            </a:r>
+            <a:endParaRPr kumimoji="1" lang="zh-CN" altLang="en-US" sz="800" dirty="0">
+              <a:latin typeface="Arial" panose="020B0604020202020204" pitchFamily="34" charset="0"/>
+              <a:cs typeface="Arial" panose="020B0604020202020204" pitchFamily="34" charset="0"/>
+            </a:endParaRPr>
+          </a:p>
+        </p:txBody>
+      </p:sp>
+      <p:sp>
+        <p:nvSpPr>
+          <p:cNvPr id="8" name="圆角矩形 7">
+            <a:extLst>
+              <a:ext uri="{FF2B5EF4-FFF2-40B4-BE49-F238E27FC236}">
+                <a16:creationId xmlns:a16="http://schemas.microsoft.com/office/drawing/2014/main" id="{BB43C4E7-57F1-DD1A-B5E5-8F8278DB427A}"/>
+              </a:ext>
+            </a:extLst>
+          </p:cNvPr>
+          <p:cNvSpPr/>
+          <p:nvPr/>
+        </p:nvSpPr>
+        <p:spPr>
+          <a:xfrm>
+            <a:off x="2484506" y="608916"/>
+            <a:ext cx="359565" cy="180000"/>
+          </a:xfrm>
+          <a:prstGeom prst="roundRect">
+            <a:avLst/>
+          </a:prstGeom>
+          <a:ln w="9525"/>
+        </p:spPr>
+        <p:style>
+          <a:lnRef idx="2">
+            <a:schemeClr val="dk1"/>
+          </a:lnRef>
+          <a:fillRef idx="1">
+            <a:schemeClr val="lt1"/>
+          </a:fillRef>
+          <a:effectRef idx="0">
+            <a:schemeClr val="dk1"/>
+          </a:effectRef>
+          <a:fontRef idx="minor">
+            <a:schemeClr val="dk1"/>
+          </a:fontRef>
+        </p:style>
+        <p:txBody>
+          <a:bodyPr lIns="0" tIns="0" rIns="0" bIns="0" rtlCol="0" anchor="ctr"/>
+          <a:lstStyle/>
+          <a:p>
+            <a:pPr algn="ctr"/>
+            <a:r>
+              <a:rPr kumimoji="1" lang="en-US" altLang="zh-CN" sz="800" dirty="0">
+                <a:latin typeface="Arial" panose="020B0604020202020204" pitchFamily="34" charset="0"/>
+                <a:cs typeface="Arial" panose="020B0604020202020204" pitchFamily="34" charset="0"/>
+              </a:rPr>
+              <a:t>Runoff</a:t>
+            </a:r>
+            <a:endParaRPr kumimoji="1" lang="zh-CN" altLang="en-US" sz="800" dirty="0">
+              <a:latin typeface="Arial" panose="020B0604020202020204" pitchFamily="34" charset="0"/>
+              <a:cs typeface="Arial" panose="020B0604020202020204" pitchFamily="34" charset="0"/>
+            </a:endParaRPr>
+          </a:p>
+        </p:txBody>
+      </p:sp>
+      <p:cxnSp>
+        <p:nvCxnSpPr>
+          <p:cNvPr id="21" name="直线箭头连接符 20">
+            <a:extLst>
+              <a:ext uri="{FF2B5EF4-FFF2-40B4-BE49-F238E27FC236}">
+                <a16:creationId xmlns:a16="http://schemas.microsoft.com/office/drawing/2014/main" id="{CAFD9A69-1FE2-A228-8E5C-1070964E4A18}"/>
+              </a:ext>
+            </a:extLst>
+          </p:cNvPr>
+          <p:cNvCxnSpPr>
+            <a:cxnSpLocks/>
+            <a:stCxn id="2" idx="2"/>
+          </p:cNvCxnSpPr>
+          <p:nvPr/>
+        </p:nvCxnSpPr>
+        <p:spPr>
+          <a:xfrm>
+            <a:off x="211438" y="788916"/>
+            <a:ext cx="0" cy="106848"/>
+          </a:xfrm>
+          <a:prstGeom prst="straightConnector1">
+            <a:avLst/>
+          </a:prstGeom>
+          <a:ln w="9525">
+            <a:tailEnd type="triangle" w="sm" len="sm"/>
+          </a:ln>
+        </p:spPr>
+        <p:style>
+          <a:lnRef idx="1">
+            <a:schemeClr val="dk1"/>
+          </a:lnRef>
+          <a:fillRef idx="0">
+            <a:schemeClr val="dk1"/>
+          </a:fillRef>
+          <a:effectRef idx="0">
+            <a:schemeClr val="dk1"/>
+          </a:effectRef>
+          <a:fontRef idx="minor">
+            <a:schemeClr val="tx1"/>
+          </a:fontRef>
+        </p:style>
+      </p:cxnSp>
+      <p:cxnSp>
+        <p:nvCxnSpPr>
+          <p:cNvPr id="25" name="直线箭头连接符 24">
+            <a:extLst>
+              <a:ext uri="{FF2B5EF4-FFF2-40B4-BE49-F238E27FC236}">
+                <a16:creationId xmlns:a16="http://schemas.microsoft.com/office/drawing/2014/main" id="{D5498863-9E3D-23A7-084C-1696EF63552E}"/>
+              </a:ext>
+            </a:extLst>
+          </p:cNvPr>
+          <p:cNvCxnSpPr>
+            <a:cxnSpLocks/>
+            <a:stCxn id="3" idx="2"/>
+          </p:cNvCxnSpPr>
+          <p:nvPr/>
+        </p:nvCxnSpPr>
+        <p:spPr>
+          <a:xfrm>
+            <a:off x="824705" y="788917"/>
+            <a:ext cx="0" cy="116573"/>
+          </a:xfrm>
+          <a:prstGeom prst="straightConnector1">
+            <a:avLst/>
+          </a:prstGeom>
+          <a:ln w="9525">
+            <a:tailEnd type="triangle" w="sm" len="sm"/>
+          </a:ln>
+        </p:spPr>
+        <p:style>
+          <a:lnRef idx="1">
+            <a:schemeClr val="dk1"/>
+          </a:lnRef>
+          <a:fillRef idx="0">
+            <a:schemeClr val="dk1"/>
+          </a:fillRef>
+          <a:effectRef idx="0">
+            <a:schemeClr val="dk1"/>
+          </a:effectRef>
+          <a:fontRef idx="minor">
+            <a:schemeClr val="tx1"/>
+          </a:fontRef>
+        </p:style>
+      </p:cxnSp>
+      <p:cxnSp>
+        <p:nvCxnSpPr>
+          <p:cNvPr id="30" name="直线箭头连接符 29">
+            <a:extLst>
+              <a:ext uri="{FF2B5EF4-FFF2-40B4-BE49-F238E27FC236}">
+                <a16:creationId xmlns:a16="http://schemas.microsoft.com/office/drawing/2014/main" id="{1B5BF136-85C8-72EF-1627-4659538390C8}"/>
+              </a:ext>
+            </a:extLst>
+          </p:cNvPr>
+          <p:cNvCxnSpPr>
+            <a:cxnSpLocks/>
+            <a:stCxn id="6" idx="2"/>
+            <a:endCxn id="32" idx="0"/>
+          </p:cNvCxnSpPr>
+          <p:nvPr/>
+        </p:nvCxnSpPr>
+        <p:spPr>
+          <a:xfrm>
+            <a:off x="1437974" y="788916"/>
+            <a:ext cx="1889" cy="97702"/>
+          </a:xfrm>
+          <a:prstGeom prst="straightConnector1">
+            <a:avLst/>
+          </a:prstGeom>
+          <a:ln w="9525">
+            <a:tailEnd type="triangle" w="sm" len="sm"/>
+          </a:ln>
+        </p:spPr>
+        <p:style>
+          <a:lnRef idx="1">
+            <a:schemeClr val="dk1"/>
+          </a:lnRef>
+          <a:fillRef idx="0">
+            <a:schemeClr val="dk1"/>
+          </a:fillRef>
+          <a:effectRef idx="0">
+            <a:schemeClr val="dk1"/>
+          </a:effectRef>
+          <a:fontRef idx="minor">
+            <a:schemeClr val="tx1"/>
+          </a:fontRef>
+        </p:style>
+      </p:cxnSp>
+      <p:cxnSp>
+        <p:nvCxnSpPr>
+          <p:cNvPr id="34" name="直线箭头连接符 33">
+            <a:extLst>
+              <a:ext uri="{FF2B5EF4-FFF2-40B4-BE49-F238E27FC236}">
+                <a16:creationId xmlns:a16="http://schemas.microsoft.com/office/drawing/2014/main" id="{DB07D9A1-DEF0-0D2E-C0CA-2AAD7CC86127}"/>
+              </a:ext>
+            </a:extLst>
+          </p:cNvPr>
+          <p:cNvCxnSpPr>
+            <a:cxnSpLocks/>
+            <a:stCxn id="7" idx="2"/>
+          </p:cNvCxnSpPr>
+          <p:nvPr/>
+        </p:nvCxnSpPr>
+        <p:spPr>
+          <a:xfrm>
+            <a:off x="2051161" y="788917"/>
+            <a:ext cx="0" cy="102111"/>
+          </a:xfrm>
+          <a:prstGeom prst="straightConnector1">
+            <a:avLst/>
+          </a:prstGeom>
+          <a:ln w="9525">
+            <a:tailEnd type="triangle" w="sm" len="sm"/>
+          </a:ln>
+        </p:spPr>
+        <p:style>
+          <a:lnRef idx="1">
+            <a:schemeClr val="dk1"/>
+          </a:lnRef>
+          <a:fillRef idx="0">
+            <a:schemeClr val="dk1"/>
+          </a:fillRef>
+          <a:effectRef idx="0">
+            <a:schemeClr val="dk1"/>
+          </a:effectRef>
+          <a:fontRef idx="minor">
+            <a:schemeClr val="tx1"/>
+          </a:fontRef>
+        </p:style>
+      </p:cxnSp>
+      <p:cxnSp>
+        <p:nvCxnSpPr>
+          <p:cNvPr id="42" name="直线箭头连接符 41">
+            <a:extLst>
+              <a:ext uri="{FF2B5EF4-FFF2-40B4-BE49-F238E27FC236}">
+                <a16:creationId xmlns:a16="http://schemas.microsoft.com/office/drawing/2014/main" id="{08BCB3D8-7010-FECC-1D01-07EFE30D9F04}"/>
+              </a:ext>
+            </a:extLst>
+          </p:cNvPr>
+          <p:cNvCxnSpPr>
+            <a:cxnSpLocks/>
+            <a:stCxn id="8" idx="2"/>
+          </p:cNvCxnSpPr>
+          <p:nvPr/>
+        </p:nvCxnSpPr>
+        <p:spPr>
+          <a:xfrm>
+            <a:off x="2664288" y="788917"/>
             <a:ext cx="0" cy="102111"/>
           </a:xfrm>
           <a:prstGeom prst="straightConnector1">
